--- a/presentation.pptx
+++ b/presentation.pptx
@@ -123,6 +123,11 @@
       </a:defRPr>
     </a:lvl9pPr>
   </p:defaultTextStyle>
+  <p:extLst>
+    <p:ext uri="{EFAFB233-063F-42B5-8137-9DF3F51BA10A}">
+      <p15:sldGuideLst xmlns:p15="http://schemas.microsoft.com/office/powerpoint/2012/main"/>
+    </p:ext>
+  </p:extLst>
 </p:presentation>
 </file>
 
@@ -10103,7 +10108,7 @@
           <a:noFill/>
           <a:extLst>
             <a:ext uri="{909E8E84-426E-40dd-AFC4-6F175D3DCCD1}">
-              <a14:hiddenFill xmlns:a14="http://schemas.microsoft.com/office/drawing/2010/main" xmlns="">
+              <a14:hiddenFill xmlns="" xmlns:a14="http://schemas.microsoft.com/office/drawing/2010/main">
                 <a:solidFill>
                   <a:srgbClr val="FFFFFF"/>
                 </a:solidFill>
@@ -10163,7 +10168,7 @@
             </a:ln>
             <a:extLst>
               <a:ext uri="{91240B29-F687-4f45-9708-019B960494DF}">
-                <a14:hiddenLine xmlns:a14="http://schemas.microsoft.com/office/drawing/2010/main" xmlns="" w="9525">
+                <a14:hiddenLine xmlns="" xmlns:a14="http://schemas.microsoft.com/office/drawing/2010/main" w="9525">
                   <a:solidFill>
                     <a:srgbClr val="000000"/>
                   </a:solidFill>
@@ -10253,7 +10258,7 @@
             </a:ln>
             <a:extLst>
               <a:ext uri="{91240B29-F687-4f45-9708-019B960494DF}">
-                <a14:hiddenLine xmlns:a14="http://schemas.microsoft.com/office/drawing/2010/main" xmlns="" w="9525">
+                <a14:hiddenLine xmlns="" xmlns:a14="http://schemas.microsoft.com/office/drawing/2010/main" w="9525">
                   <a:solidFill>
                     <a:srgbClr val="000000"/>
                   </a:solidFill>
@@ -10343,7 +10348,7 @@
             </a:ln>
             <a:extLst>
               <a:ext uri="{91240B29-F687-4f45-9708-019B960494DF}">
-                <a14:hiddenLine xmlns:a14="http://schemas.microsoft.com/office/drawing/2010/main" xmlns="" w="9525">
+                <a14:hiddenLine xmlns="" xmlns:a14="http://schemas.microsoft.com/office/drawing/2010/main" w="9525">
                   <a:solidFill>
                     <a:srgbClr val="000000"/>
                   </a:solidFill>
@@ -10377,7 +10382,7 @@
             </a:ln>
             <a:extLst>
               <a:ext uri="{91240B29-F687-4f45-9708-019B960494DF}">
-                <a14:hiddenLine xmlns:a14="http://schemas.microsoft.com/office/drawing/2010/main" xmlns="" w="9525">
+                <a14:hiddenLine xmlns="" xmlns:a14="http://schemas.microsoft.com/office/drawing/2010/main" w="9525">
                   <a:solidFill>
                     <a:srgbClr val="000000"/>
                   </a:solidFill>
@@ -10467,7 +10472,7 @@
             </a:ln>
             <a:extLst>
               <a:ext uri="{91240B29-F687-4f45-9708-019B960494DF}">
-                <a14:hiddenLine xmlns:a14="http://schemas.microsoft.com/office/drawing/2010/main" xmlns="" w="9525">
+                <a14:hiddenLine xmlns="" xmlns:a14="http://schemas.microsoft.com/office/drawing/2010/main" w="9525">
                   <a:solidFill>
                     <a:srgbClr val="000000"/>
                   </a:solidFill>
@@ -10529,7 +10534,7 @@
             </a:ln>
             <a:extLst>
               <a:ext uri="{91240B29-F687-4f45-9708-019B960494DF}">
-                <a14:hiddenLine xmlns:a14="http://schemas.microsoft.com/office/drawing/2010/main" xmlns="" w="9525">
+                <a14:hiddenLine xmlns="" xmlns:a14="http://schemas.microsoft.com/office/drawing/2010/main" w="9525">
                   <a:solidFill>
                     <a:srgbClr val="000000"/>
                   </a:solidFill>
@@ -10591,7 +10596,7 @@
             </a:ln>
             <a:extLst>
               <a:ext uri="{91240B29-F687-4f45-9708-019B960494DF}">
-                <a14:hiddenLine xmlns:a14="http://schemas.microsoft.com/office/drawing/2010/main" xmlns="" w="9525">
+                <a14:hiddenLine xmlns="" xmlns:a14="http://schemas.microsoft.com/office/drawing/2010/main" w="9525">
                   <a:solidFill>
                     <a:srgbClr val="000000"/>
                   </a:solidFill>
@@ -10681,7 +10686,7 @@
             </a:ln>
             <a:extLst>
               <a:ext uri="{91240B29-F687-4f45-9708-019B960494DF}">
-                <a14:hiddenLine xmlns:a14="http://schemas.microsoft.com/office/drawing/2010/main" xmlns="" w="9525">
+                <a14:hiddenLine xmlns="" xmlns:a14="http://schemas.microsoft.com/office/drawing/2010/main" w="9525">
                   <a:solidFill>
                     <a:srgbClr val="000000"/>
                   </a:solidFill>
@@ -10743,7 +10748,7 @@
             </a:ln>
             <a:extLst>
               <a:ext uri="{91240B29-F687-4f45-9708-019B960494DF}">
-                <a14:hiddenLine xmlns:a14="http://schemas.microsoft.com/office/drawing/2010/main" xmlns="" w="9525">
+                <a14:hiddenLine xmlns="" xmlns:a14="http://schemas.microsoft.com/office/drawing/2010/main" w="9525">
                   <a:solidFill>
                     <a:srgbClr val="000000"/>
                   </a:solidFill>
@@ -10805,7 +10810,7 @@
             </a:ln>
             <a:extLst>
               <a:ext uri="{91240B29-F687-4f45-9708-019B960494DF}">
-                <a14:hiddenLine xmlns:a14="http://schemas.microsoft.com/office/drawing/2010/main" xmlns="" w="9525">
+                <a14:hiddenLine xmlns="" xmlns:a14="http://schemas.microsoft.com/office/drawing/2010/main" w="9525">
                   <a:solidFill>
                     <a:srgbClr val="000000"/>
                   </a:solidFill>
@@ -10895,7 +10900,7 @@
             </a:ln>
             <a:extLst>
               <a:ext uri="{91240B29-F687-4f45-9708-019B960494DF}">
-                <a14:hiddenLine xmlns:a14="http://schemas.microsoft.com/office/drawing/2010/main" xmlns="" w="9525">
+                <a14:hiddenLine xmlns="" xmlns:a14="http://schemas.microsoft.com/office/drawing/2010/main" w="9525">
                   <a:solidFill>
                     <a:srgbClr val="000000"/>
                   </a:solidFill>
@@ -10985,7 +10990,7 @@
             </a:ln>
             <a:extLst>
               <a:ext uri="{91240B29-F687-4f45-9708-019B960494DF}">
-                <a14:hiddenLine xmlns:a14="http://schemas.microsoft.com/office/drawing/2010/main" xmlns="" w="9525">
+                <a14:hiddenLine xmlns="" xmlns:a14="http://schemas.microsoft.com/office/drawing/2010/main" w="9525">
                   <a:solidFill>
                     <a:srgbClr val="000000"/>
                   </a:solidFill>
@@ -11047,7 +11052,7 @@
             </a:ln>
             <a:extLst>
               <a:ext uri="{91240B29-F687-4f45-9708-019B960494DF}">
-                <a14:hiddenLine xmlns:a14="http://schemas.microsoft.com/office/drawing/2010/main" xmlns="" w="9525">
+                <a14:hiddenLine xmlns="" xmlns:a14="http://schemas.microsoft.com/office/drawing/2010/main" w="9525">
                   <a:solidFill>
                     <a:srgbClr val="000000"/>
                   </a:solidFill>
@@ -11157,7 +11162,7 @@
             </a:ln>
             <a:extLst>
               <a:ext uri="{91240B29-F687-4f45-9708-019B960494DF}">
-                <a14:hiddenLine xmlns:a14="http://schemas.microsoft.com/office/drawing/2010/main" xmlns="" w="9525">
+                <a14:hiddenLine xmlns="" xmlns:a14="http://schemas.microsoft.com/office/drawing/2010/main" w="9525">
                   <a:solidFill>
                     <a:srgbClr val="000000"/>
                   </a:solidFill>
@@ -11219,7 +11224,7 @@
             </a:ln>
             <a:extLst>
               <a:ext uri="{91240B29-F687-4f45-9708-019B960494DF}">
-                <a14:hiddenLine xmlns:a14="http://schemas.microsoft.com/office/drawing/2010/main" xmlns="" w="9525">
+                <a14:hiddenLine xmlns="" xmlns:a14="http://schemas.microsoft.com/office/drawing/2010/main" w="9525">
                   <a:solidFill>
                     <a:srgbClr val="000000"/>
                   </a:solidFill>
@@ -11309,7 +11314,7 @@
             </a:ln>
             <a:extLst>
               <a:ext uri="{91240B29-F687-4f45-9708-019B960494DF}">
-                <a14:hiddenLine xmlns:a14="http://schemas.microsoft.com/office/drawing/2010/main" xmlns="" w="9525">
+                <a14:hiddenLine xmlns="" xmlns:a14="http://schemas.microsoft.com/office/drawing/2010/main" w="9525">
                   <a:solidFill>
                     <a:srgbClr val="000000"/>
                   </a:solidFill>
@@ -11399,7 +11404,7 @@
             </a:ln>
             <a:extLst>
               <a:ext uri="{91240B29-F687-4f45-9708-019B960494DF}">
-                <a14:hiddenLine xmlns:a14="http://schemas.microsoft.com/office/drawing/2010/main" xmlns="" w="9525">
+                <a14:hiddenLine xmlns="" xmlns:a14="http://schemas.microsoft.com/office/drawing/2010/main" w="9525">
                   <a:solidFill>
                     <a:srgbClr val="000000"/>
                   </a:solidFill>
@@ -11461,7 +11466,7 @@
             </a:ln>
             <a:extLst>
               <a:ext uri="{91240B29-F687-4f45-9708-019B960494DF}">
-                <a14:hiddenLine xmlns:a14="http://schemas.microsoft.com/office/drawing/2010/main" xmlns="" w="9525">
+                <a14:hiddenLine xmlns="" xmlns:a14="http://schemas.microsoft.com/office/drawing/2010/main" w="9525">
                   <a:solidFill>
                     <a:srgbClr val="000000"/>
                   </a:solidFill>
@@ -11551,7 +11556,7 @@
             </a:ln>
             <a:extLst>
               <a:ext uri="{91240B29-F687-4f45-9708-019B960494DF}">
-                <a14:hiddenLine xmlns:a14="http://schemas.microsoft.com/office/drawing/2010/main" xmlns="" w="9525">
+                <a14:hiddenLine xmlns="" xmlns:a14="http://schemas.microsoft.com/office/drawing/2010/main" w="9525">
                   <a:solidFill>
                     <a:srgbClr val="000000"/>
                   </a:solidFill>
@@ -11641,7 +11646,7 @@
             </a:ln>
             <a:extLst>
               <a:ext uri="{91240B29-F687-4f45-9708-019B960494DF}">
-                <a14:hiddenLine xmlns:a14="http://schemas.microsoft.com/office/drawing/2010/main" xmlns="" w="9525">
+                <a14:hiddenLine xmlns="" xmlns:a14="http://schemas.microsoft.com/office/drawing/2010/main" w="9525">
                   <a:solidFill>
                     <a:srgbClr val="000000"/>
                   </a:solidFill>
@@ -11697,7 +11702,7 @@
             </a:ln>
             <a:extLst>
               <a:ext uri="{91240B29-F687-4f45-9708-019B960494DF}">
-                <a14:hiddenLine xmlns:a14="http://schemas.microsoft.com/office/drawing/2010/main" xmlns="" w="9525">
+                <a14:hiddenLine xmlns="" xmlns:a14="http://schemas.microsoft.com/office/drawing/2010/main" w="9525">
                   <a:solidFill>
                     <a:srgbClr val="000000"/>
                   </a:solidFill>
@@ -11787,7 +11792,7 @@
             </a:ln>
             <a:extLst>
               <a:ext uri="{91240B29-F687-4f45-9708-019B960494DF}">
-                <a14:hiddenLine xmlns:a14="http://schemas.microsoft.com/office/drawing/2010/main" xmlns="" w="9525">
+                <a14:hiddenLine xmlns="" xmlns:a14="http://schemas.microsoft.com/office/drawing/2010/main" w="9525">
                   <a:solidFill>
                     <a:srgbClr val="000000"/>
                   </a:solidFill>
@@ -11843,7 +11848,7 @@
             </a:ln>
             <a:extLst>
               <a:ext uri="{91240B29-F687-4f45-9708-019B960494DF}">
-                <a14:hiddenLine xmlns:a14="http://schemas.microsoft.com/office/drawing/2010/main" xmlns="" w="9525">
+                <a14:hiddenLine xmlns="" xmlns:a14="http://schemas.microsoft.com/office/drawing/2010/main" w="9525">
                   <a:solidFill>
                     <a:srgbClr val="000000"/>
                   </a:solidFill>
@@ -11933,7 +11938,7 @@
             </a:ln>
             <a:extLst>
               <a:ext uri="{91240B29-F687-4f45-9708-019B960494DF}">
-                <a14:hiddenLine xmlns:a14="http://schemas.microsoft.com/office/drawing/2010/main" xmlns="" w="9525">
+                <a14:hiddenLine xmlns="" xmlns:a14="http://schemas.microsoft.com/office/drawing/2010/main" w="9525">
                   <a:solidFill>
                     <a:srgbClr val="000000"/>
                   </a:solidFill>
@@ -12001,7 +12006,7 @@
             </a:ln>
             <a:extLst>
               <a:ext uri="{91240B29-F687-4f45-9708-019B960494DF}">
-                <a14:hiddenLine xmlns:a14="http://schemas.microsoft.com/office/drawing/2010/main" xmlns="" w="9525">
+                <a14:hiddenLine xmlns="" xmlns:a14="http://schemas.microsoft.com/office/drawing/2010/main" w="9525">
                   <a:solidFill>
                     <a:srgbClr val="000000"/>
                   </a:solidFill>
@@ -12091,7 +12096,7 @@
             </a:ln>
             <a:extLst>
               <a:ext uri="{91240B29-F687-4f45-9708-019B960494DF}">
-                <a14:hiddenLine xmlns:a14="http://schemas.microsoft.com/office/drawing/2010/main" xmlns="" w="9525">
+                <a14:hiddenLine xmlns="" xmlns:a14="http://schemas.microsoft.com/office/drawing/2010/main" w="9525">
                   <a:solidFill>
                     <a:srgbClr val="000000"/>
                   </a:solidFill>
@@ -12159,7 +12164,7 @@
             </a:ln>
             <a:extLst>
               <a:ext uri="{91240B29-F687-4f45-9708-019B960494DF}">
-                <a14:hiddenLine xmlns:a14="http://schemas.microsoft.com/office/drawing/2010/main" xmlns="" w="9525">
+                <a14:hiddenLine xmlns="" xmlns:a14="http://schemas.microsoft.com/office/drawing/2010/main" w="9525">
                   <a:solidFill>
                     <a:srgbClr val="000000"/>
                   </a:solidFill>
@@ -12249,7 +12254,7 @@
             </a:ln>
             <a:extLst>
               <a:ext uri="{91240B29-F687-4f45-9708-019B960494DF}">
-                <a14:hiddenLine xmlns:a14="http://schemas.microsoft.com/office/drawing/2010/main" xmlns="" w="9525">
+                <a14:hiddenLine xmlns="" xmlns:a14="http://schemas.microsoft.com/office/drawing/2010/main" w="9525">
                   <a:solidFill>
                     <a:srgbClr val="000000"/>
                   </a:solidFill>
@@ -12283,7 +12288,7 @@
             </a:ln>
             <a:extLst>
               <a:ext uri="{91240B29-F687-4f45-9708-019B960494DF}">
-                <a14:hiddenLine xmlns:a14="http://schemas.microsoft.com/office/drawing/2010/main" xmlns="" w="9525">
+                <a14:hiddenLine xmlns="" xmlns:a14="http://schemas.microsoft.com/office/drawing/2010/main" w="9525">
                   <a:solidFill>
                     <a:srgbClr val="000000"/>
                   </a:solidFill>
@@ -12373,7 +12378,7 @@
             </a:ln>
             <a:extLst>
               <a:ext uri="{91240B29-F687-4f45-9708-019B960494DF}">
-                <a14:hiddenLine xmlns:a14="http://schemas.microsoft.com/office/drawing/2010/main" xmlns="" w="9525">
+                <a14:hiddenLine xmlns="" xmlns:a14="http://schemas.microsoft.com/office/drawing/2010/main" w="9525">
                   <a:solidFill>
                     <a:srgbClr val="000000"/>
                   </a:solidFill>
@@ -12435,7 +12440,7 @@
             </a:ln>
             <a:extLst>
               <a:ext uri="{91240B29-F687-4f45-9708-019B960494DF}">
-                <a14:hiddenLine xmlns:a14="http://schemas.microsoft.com/office/drawing/2010/main" xmlns="" w="9525">
+                <a14:hiddenLine xmlns="" xmlns:a14="http://schemas.microsoft.com/office/drawing/2010/main" w="9525">
                   <a:solidFill>
                     <a:srgbClr val="000000"/>
                   </a:solidFill>
@@ -12497,7 +12502,7 @@
             </a:ln>
             <a:extLst>
               <a:ext uri="{91240B29-F687-4f45-9708-019B960494DF}">
-                <a14:hiddenLine xmlns:a14="http://schemas.microsoft.com/office/drawing/2010/main" xmlns="" w="9525">
+                <a14:hiddenLine xmlns="" xmlns:a14="http://schemas.microsoft.com/office/drawing/2010/main" w="9525">
                   <a:solidFill>
                     <a:srgbClr val="000000"/>
                   </a:solidFill>
@@ -12587,7 +12592,7 @@
             </a:ln>
             <a:extLst>
               <a:ext uri="{91240B29-F687-4f45-9708-019B960494DF}">
-                <a14:hiddenLine xmlns:a14="http://schemas.microsoft.com/office/drawing/2010/main" xmlns="" w="9525">
+                <a14:hiddenLine xmlns="" xmlns:a14="http://schemas.microsoft.com/office/drawing/2010/main" w="9525">
                   <a:solidFill>
                     <a:srgbClr val="000000"/>
                   </a:solidFill>
@@ -12655,7 +12660,7 @@
             </a:ln>
             <a:extLst>
               <a:ext uri="{91240B29-F687-4f45-9708-019B960494DF}">
-                <a14:hiddenLine xmlns:a14="http://schemas.microsoft.com/office/drawing/2010/main" xmlns="" w="9525">
+                <a14:hiddenLine xmlns="" xmlns:a14="http://schemas.microsoft.com/office/drawing/2010/main" w="9525">
                   <a:solidFill>
                     <a:srgbClr val="000000"/>
                   </a:solidFill>
@@ -12717,7 +12722,7 @@
             </a:ln>
             <a:extLst>
               <a:ext uri="{91240B29-F687-4f45-9708-019B960494DF}">
-                <a14:hiddenLine xmlns:a14="http://schemas.microsoft.com/office/drawing/2010/main" xmlns="" w="9525">
+                <a14:hiddenLine xmlns="" xmlns:a14="http://schemas.microsoft.com/office/drawing/2010/main" w="9525">
                   <a:solidFill>
                     <a:srgbClr val="000000"/>
                   </a:solidFill>
@@ -12807,7 +12812,7 @@
             </a:ln>
             <a:extLst>
               <a:ext uri="{91240B29-F687-4f45-9708-019B960494DF}">
-                <a14:hiddenLine xmlns:a14="http://schemas.microsoft.com/office/drawing/2010/main" xmlns="" w="9525">
+                <a14:hiddenLine xmlns="" xmlns:a14="http://schemas.microsoft.com/office/drawing/2010/main" w="9525">
                   <a:solidFill>
                     <a:srgbClr val="000000"/>
                   </a:solidFill>
@@ -12869,7 +12874,7 @@
             </a:ln>
             <a:extLst>
               <a:ext uri="{91240B29-F687-4f45-9708-019B960494DF}">
-                <a14:hiddenLine xmlns:a14="http://schemas.microsoft.com/office/drawing/2010/main" xmlns="" w="9525">
+                <a14:hiddenLine xmlns="" xmlns:a14="http://schemas.microsoft.com/office/drawing/2010/main" w="9525">
                   <a:solidFill>
                     <a:srgbClr val="000000"/>
                   </a:solidFill>
@@ -12959,7 +12964,7 @@
             </a:ln>
             <a:extLst>
               <a:ext uri="{91240B29-F687-4f45-9708-019B960494DF}">
-                <a14:hiddenLine xmlns:a14="http://schemas.microsoft.com/office/drawing/2010/main" xmlns="" w="9525">
+                <a14:hiddenLine xmlns="" xmlns:a14="http://schemas.microsoft.com/office/drawing/2010/main" w="9525">
                   <a:solidFill>
                     <a:srgbClr val="000000"/>
                   </a:solidFill>
@@ -13021,7 +13026,7 @@
             </a:ln>
             <a:extLst>
               <a:ext uri="{91240B29-F687-4f45-9708-019B960494DF}">
-                <a14:hiddenLine xmlns:a14="http://schemas.microsoft.com/office/drawing/2010/main" xmlns="" w="9525">
+                <a14:hiddenLine xmlns="" xmlns:a14="http://schemas.microsoft.com/office/drawing/2010/main" w="9525">
                   <a:solidFill>
                     <a:srgbClr val="000000"/>
                   </a:solidFill>
@@ -13111,7 +13116,7 @@
             </a:ln>
             <a:extLst>
               <a:ext uri="{91240B29-F687-4f45-9708-019B960494DF}">
-                <a14:hiddenLine xmlns:a14="http://schemas.microsoft.com/office/drawing/2010/main" xmlns="" w="9525">
+                <a14:hiddenLine xmlns="" xmlns:a14="http://schemas.microsoft.com/office/drawing/2010/main" w="9525">
                   <a:solidFill>
                     <a:srgbClr val="000000"/>
                   </a:solidFill>
@@ -13145,7 +13150,7 @@
             </a:ln>
             <a:extLst>
               <a:ext uri="{91240B29-F687-4f45-9708-019B960494DF}">
-                <a14:hiddenLine xmlns:a14="http://schemas.microsoft.com/office/drawing/2010/main" xmlns="" w="9525">
+                <a14:hiddenLine xmlns="" xmlns:a14="http://schemas.microsoft.com/office/drawing/2010/main" w="9525">
                   <a:solidFill>
                     <a:srgbClr val="000000"/>
                   </a:solidFill>
@@ -13210,7 +13215,7 @@
             </a:ln>
             <a:extLst>
               <a:ext uri="{91240B29-F687-4f45-9708-019B960494DF}">
-                <a14:hiddenLine xmlns:a14="http://schemas.microsoft.com/office/drawing/2010/main" xmlns="" w="9525">
+                <a14:hiddenLine xmlns="" xmlns:a14="http://schemas.microsoft.com/office/drawing/2010/main" w="9525">
                   <a:solidFill>
                     <a:srgbClr val="000000"/>
                   </a:solidFill>
@@ -13300,7 +13305,7 @@
             </a:ln>
             <a:extLst>
               <a:ext uri="{91240B29-F687-4f45-9708-019B960494DF}">
-                <a14:hiddenLine xmlns:a14="http://schemas.microsoft.com/office/drawing/2010/main" xmlns="" w="9525">
+                <a14:hiddenLine xmlns="" xmlns:a14="http://schemas.microsoft.com/office/drawing/2010/main" w="9525">
                   <a:solidFill>
                     <a:srgbClr val="000000"/>
                   </a:solidFill>
@@ -13362,7 +13367,7 @@
             </a:ln>
             <a:extLst>
               <a:ext uri="{91240B29-F687-4f45-9708-019B960494DF}">
-                <a14:hiddenLine xmlns:a14="http://schemas.microsoft.com/office/drawing/2010/main" xmlns="" w="9525">
+                <a14:hiddenLine xmlns="" xmlns:a14="http://schemas.microsoft.com/office/drawing/2010/main" w="9525">
                   <a:solidFill>
                     <a:srgbClr val="000000"/>
                   </a:solidFill>
@@ -13452,7 +13457,7 @@
             </a:ln>
             <a:extLst>
               <a:ext uri="{91240B29-F687-4f45-9708-019B960494DF}">
-                <a14:hiddenLine xmlns:a14="http://schemas.microsoft.com/office/drawing/2010/main" xmlns="" w="9525">
+                <a14:hiddenLine xmlns="" xmlns:a14="http://schemas.microsoft.com/office/drawing/2010/main" w="9525">
                   <a:solidFill>
                     <a:srgbClr val="000000"/>
                   </a:solidFill>
@@ -13542,7 +13547,7 @@
             </a:ln>
             <a:extLst>
               <a:ext uri="{91240B29-F687-4f45-9708-019B960494DF}">
-                <a14:hiddenLine xmlns:a14="http://schemas.microsoft.com/office/drawing/2010/main" xmlns="" w="9525">
+                <a14:hiddenLine xmlns="" xmlns:a14="http://schemas.microsoft.com/office/drawing/2010/main" w="9525">
                   <a:solidFill>
                     <a:srgbClr val="000000"/>
                   </a:solidFill>
@@ -13607,7 +13612,7 @@
             </a:ln>
             <a:extLst>
               <a:ext uri="{91240B29-F687-4f45-9708-019B960494DF}">
-                <a14:hiddenLine xmlns:a14="http://schemas.microsoft.com/office/drawing/2010/main" xmlns="" w="9525">
+                <a14:hiddenLine xmlns="" xmlns:a14="http://schemas.microsoft.com/office/drawing/2010/main" w="9525">
                   <a:solidFill>
                     <a:srgbClr val="000000"/>
                   </a:solidFill>
@@ -13669,7 +13674,7 @@
             </a:ln>
             <a:extLst>
               <a:ext uri="{91240B29-F687-4f45-9708-019B960494DF}">
-                <a14:hiddenLine xmlns:a14="http://schemas.microsoft.com/office/drawing/2010/main" xmlns="" w="9525">
+                <a14:hiddenLine xmlns="" xmlns:a14="http://schemas.microsoft.com/office/drawing/2010/main" w="9525">
                   <a:solidFill>
                     <a:srgbClr val="000000"/>
                   </a:solidFill>
@@ -13759,7 +13764,7 @@
             </a:ln>
             <a:extLst>
               <a:ext uri="{91240B29-F687-4f45-9708-019B960494DF}">
-                <a14:hiddenLine xmlns:a14="http://schemas.microsoft.com/office/drawing/2010/main" xmlns="" w="9525">
+                <a14:hiddenLine xmlns="" xmlns:a14="http://schemas.microsoft.com/office/drawing/2010/main" w="9525">
                   <a:solidFill>
                     <a:srgbClr val="000000"/>
                   </a:solidFill>
@@ -13849,7 +13854,7 @@
             </a:ln>
             <a:extLst>
               <a:ext uri="{91240B29-F687-4f45-9708-019B960494DF}">
-                <a14:hiddenLine xmlns:a14="http://schemas.microsoft.com/office/drawing/2010/main" xmlns="" w="9525">
+                <a14:hiddenLine xmlns="" xmlns:a14="http://schemas.microsoft.com/office/drawing/2010/main" w="9525">
                   <a:solidFill>
                     <a:srgbClr val="000000"/>
                   </a:solidFill>
@@ -13911,7 +13916,7 @@
             </a:ln>
             <a:extLst>
               <a:ext uri="{91240B29-F687-4f45-9708-019B960494DF}">
-                <a14:hiddenLine xmlns:a14="http://schemas.microsoft.com/office/drawing/2010/main" xmlns="" w="9525">
+                <a14:hiddenLine xmlns="" xmlns:a14="http://schemas.microsoft.com/office/drawing/2010/main" w="9525">
                   <a:solidFill>
                     <a:srgbClr val="000000"/>
                   </a:solidFill>
@@ -14031,7 +14036,7 @@
             </a:ln>
             <a:extLst>
               <a:ext uri="{91240B29-F687-4f45-9708-019B960494DF}">
-                <a14:hiddenLine xmlns:a14="http://schemas.microsoft.com/office/drawing/2010/main" xmlns="" w="9525">
+                <a14:hiddenLine xmlns="" xmlns:a14="http://schemas.microsoft.com/office/drawing/2010/main" w="9525">
                   <a:solidFill>
                     <a:srgbClr val="000000"/>
                   </a:solidFill>
@@ -14099,7 +14104,7 @@
             </a:ln>
             <a:extLst>
               <a:ext uri="{91240B29-F687-4f45-9708-019B960494DF}">
-                <a14:hiddenLine xmlns:a14="http://schemas.microsoft.com/office/drawing/2010/main" xmlns="" w="9525">
+                <a14:hiddenLine xmlns="" xmlns:a14="http://schemas.microsoft.com/office/drawing/2010/main" w="9525">
                   <a:solidFill>
                     <a:srgbClr val="000000"/>
                   </a:solidFill>
@@ -14189,7 +14194,7 @@
             </a:ln>
             <a:extLst>
               <a:ext uri="{91240B29-F687-4f45-9708-019B960494DF}">
-                <a14:hiddenLine xmlns:a14="http://schemas.microsoft.com/office/drawing/2010/main" xmlns="" w="9525">
+                <a14:hiddenLine xmlns="" xmlns:a14="http://schemas.microsoft.com/office/drawing/2010/main" w="9525">
                   <a:solidFill>
                     <a:srgbClr val="000000"/>
                   </a:solidFill>
@@ -18911,7 +18916,7 @@
           <a:noFill/>
           <a:extLst>
             <a:ext uri="{909E8E84-426E-40dd-AFC4-6F175D3DCCD1}">
-              <a14:hiddenFill xmlns:a14="http://schemas.microsoft.com/office/drawing/2010/main" xmlns="">
+              <a14:hiddenFill xmlns="" xmlns:a14="http://schemas.microsoft.com/office/drawing/2010/main">
                 <a:solidFill>
                   <a:srgbClr val="FFFFFF"/>
                 </a:solidFill>
@@ -18985,7 +18990,7 @@
               </a:ln>
               <a:extLst>
                 <a:ext uri="{91240B29-F687-4f45-9708-019B960494DF}">
-                  <a14:hiddenLine xmlns:a14="http://schemas.microsoft.com/office/drawing/2010/main" xmlns="" w="9525">
+                  <a14:hiddenLine xmlns="" xmlns:a14="http://schemas.microsoft.com/office/drawing/2010/main" w="9525">
                     <a:solidFill>
                       <a:srgbClr val="000000"/>
                     </a:solidFill>
@@ -19075,7 +19080,7 @@
               </a:ln>
               <a:extLst>
                 <a:ext uri="{91240B29-F687-4f45-9708-019B960494DF}">
-                  <a14:hiddenLine xmlns:a14="http://schemas.microsoft.com/office/drawing/2010/main" xmlns="" w="9525">
+                  <a14:hiddenLine xmlns="" xmlns:a14="http://schemas.microsoft.com/office/drawing/2010/main" w="9525">
                     <a:solidFill>
                       <a:srgbClr val="000000"/>
                     </a:solidFill>
@@ -19165,7 +19170,7 @@
               </a:ln>
               <a:extLst>
                 <a:ext uri="{91240B29-F687-4f45-9708-019B960494DF}">
-                  <a14:hiddenLine xmlns:a14="http://schemas.microsoft.com/office/drawing/2010/main" xmlns="" w="9525">
+                  <a14:hiddenLine xmlns="" xmlns:a14="http://schemas.microsoft.com/office/drawing/2010/main" w="9525">
                     <a:solidFill>
                       <a:srgbClr val="000000"/>
                     </a:solidFill>
@@ -19227,7 +19232,7 @@
               </a:ln>
               <a:extLst>
                 <a:ext uri="{91240B29-F687-4f45-9708-019B960494DF}">
-                  <a14:hiddenLine xmlns:a14="http://schemas.microsoft.com/office/drawing/2010/main" xmlns="" w="9525">
+                  <a14:hiddenLine xmlns="" xmlns:a14="http://schemas.microsoft.com/office/drawing/2010/main" w="9525">
                     <a:solidFill>
                       <a:srgbClr val="000000"/>
                     </a:solidFill>
@@ -19317,7 +19322,7 @@
               </a:ln>
               <a:extLst>
                 <a:ext uri="{91240B29-F687-4f45-9708-019B960494DF}">
-                  <a14:hiddenLine xmlns:a14="http://schemas.microsoft.com/office/drawing/2010/main" xmlns="" w="9525">
+                  <a14:hiddenLine xmlns="" xmlns:a14="http://schemas.microsoft.com/office/drawing/2010/main" w="9525">
                     <a:solidFill>
                       <a:srgbClr val="000000"/>
                     </a:solidFill>
@@ -19379,7 +19384,7 @@
               </a:ln>
               <a:extLst>
                 <a:ext uri="{91240B29-F687-4f45-9708-019B960494DF}">
-                  <a14:hiddenLine xmlns:a14="http://schemas.microsoft.com/office/drawing/2010/main" xmlns="" w="9525">
+                  <a14:hiddenLine xmlns="" xmlns:a14="http://schemas.microsoft.com/office/drawing/2010/main" w="9525">
                     <a:solidFill>
                       <a:srgbClr val="000000"/>
                     </a:solidFill>
@@ -19441,7 +19446,7 @@
               </a:ln>
               <a:extLst>
                 <a:ext uri="{91240B29-F687-4f45-9708-019B960494DF}">
-                  <a14:hiddenLine xmlns:a14="http://schemas.microsoft.com/office/drawing/2010/main" xmlns="" w="9525">
+                  <a14:hiddenLine xmlns="" xmlns:a14="http://schemas.microsoft.com/office/drawing/2010/main" w="9525">
                     <a:solidFill>
                       <a:srgbClr val="000000"/>
                     </a:solidFill>
@@ -19531,7 +19536,7 @@
               </a:ln>
               <a:extLst>
                 <a:ext uri="{91240B29-F687-4f45-9708-019B960494DF}">
-                  <a14:hiddenLine xmlns:a14="http://schemas.microsoft.com/office/drawing/2010/main" xmlns="" w="9525">
+                  <a14:hiddenLine xmlns="" xmlns:a14="http://schemas.microsoft.com/office/drawing/2010/main" w="9525">
                     <a:solidFill>
                       <a:srgbClr val="000000"/>
                     </a:solidFill>
@@ -19621,7 +19626,7 @@
               </a:ln>
               <a:extLst>
                 <a:ext uri="{91240B29-F687-4f45-9708-019B960494DF}">
-                  <a14:hiddenLine xmlns:a14="http://schemas.microsoft.com/office/drawing/2010/main" xmlns="" w="9525">
+                  <a14:hiddenLine xmlns="" xmlns:a14="http://schemas.microsoft.com/office/drawing/2010/main" w="9525">
                     <a:solidFill>
                       <a:srgbClr val="000000"/>
                     </a:solidFill>
@@ -19683,7 +19688,7 @@
               </a:ln>
               <a:extLst>
                 <a:ext uri="{91240B29-F687-4f45-9708-019B960494DF}">
-                  <a14:hiddenLine xmlns:a14="http://schemas.microsoft.com/office/drawing/2010/main" xmlns="" w="9525">
+                  <a14:hiddenLine xmlns="" xmlns:a14="http://schemas.microsoft.com/office/drawing/2010/main" w="9525">
                     <a:solidFill>
                       <a:srgbClr val="000000"/>
                     </a:solidFill>
@@ -19793,7 +19798,7 @@
               </a:ln>
               <a:extLst>
                 <a:ext uri="{91240B29-F687-4f45-9708-019B960494DF}">
-                  <a14:hiddenLine xmlns:a14="http://schemas.microsoft.com/office/drawing/2010/main" xmlns="" w="9525">
+                  <a14:hiddenLine xmlns="" xmlns:a14="http://schemas.microsoft.com/office/drawing/2010/main" w="9525">
                     <a:solidFill>
                       <a:srgbClr val="000000"/>
                     </a:solidFill>
@@ -19877,7 +19882,7 @@
               </a:ln>
               <a:extLst>
                 <a:ext uri="{91240B29-F687-4f45-9708-019B960494DF}">
-                  <a14:hiddenLine xmlns:a14="http://schemas.microsoft.com/office/drawing/2010/main" xmlns="" w="9525">
+                  <a14:hiddenLine xmlns="" xmlns:a14="http://schemas.microsoft.com/office/drawing/2010/main" w="9525">
                     <a:solidFill>
                       <a:srgbClr val="000000"/>
                     </a:solidFill>
@@ -19939,7 +19944,7 @@
               </a:ln>
               <a:extLst>
                 <a:ext uri="{91240B29-F687-4f45-9708-019B960494DF}">
-                  <a14:hiddenLine xmlns:a14="http://schemas.microsoft.com/office/drawing/2010/main" xmlns="" w="9525">
+                  <a14:hiddenLine xmlns="" xmlns:a14="http://schemas.microsoft.com/office/drawing/2010/main" w="9525">
                     <a:solidFill>
                       <a:srgbClr val="000000"/>
                     </a:solidFill>
@@ -20001,7 +20006,7 @@
               </a:ln>
               <a:extLst>
                 <a:ext uri="{91240B29-F687-4f45-9708-019B960494DF}">
-                  <a14:hiddenLine xmlns:a14="http://schemas.microsoft.com/office/drawing/2010/main" xmlns="" w="9525">
+                  <a14:hiddenLine xmlns="" xmlns:a14="http://schemas.microsoft.com/office/drawing/2010/main" w="9525">
                     <a:solidFill>
                       <a:srgbClr val="000000"/>
                     </a:solidFill>
@@ -20091,7 +20096,7 @@
               </a:ln>
               <a:extLst>
                 <a:ext uri="{91240B29-F687-4f45-9708-019B960494DF}">
-                  <a14:hiddenLine xmlns:a14="http://schemas.microsoft.com/office/drawing/2010/main" xmlns="" w="9525">
+                  <a14:hiddenLine xmlns="" xmlns:a14="http://schemas.microsoft.com/office/drawing/2010/main" w="9525">
                     <a:solidFill>
                       <a:srgbClr val="000000"/>
                     </a:solidFill>
@@ -20125,7 +20130,7 @@
               </a:ln>
               <a:extLst>
                 <a:ext uri="{91240B29-F687-4f45-9708-019B960494DF}">
-                  <a14:hiddenLine xmlns:a14="http://schemas.microsoft.com/office/drawing/2010/main" xmlns="" w="9525">
+                  <a14:hiddenLine xmlns="" xmlns:a14="http://schemas.microsoft.com/office/drawing/2010/main" w="9525">
                     <a:solidFill>
                       <a:srgbClr val="000000"/>
                     </a:solidFill>
@@ -20190,7 +20195,7 @@
               </a:ln>
               <a:extLst>
                 <a:ext uri="{91240B29-F687-4f45-9708-019B960494DF}">
-                  <a14:hiddenLine xmlns:a14="http://schemas.microsoft.com/office/drawing/2010/main" xmlns="" w="9525">
+                  <a14:hiddenLine xmlns="" xmlns:a14="http://schemas.microsoft.com/office/drawing/2010/main" w="9525">
                     <a:solidFill>
                       <a:srgbClr val="000000"/>
                     </a:solidFill>
@@ -20280,7 +20285,7 @@
               </a:ln>
               <a:extLst>
                 <a:ext uri="{91240B29-F687-4f45-9708-019B960494DF}">
-                  <a14:hiddenLine xmlns:a14="http://schemas.microsoft.com/office/drawing/2010/main" xmlns="" w="9525">
+                  <a14:hiddenLine xmlns="" xmlns:a14="http://schemas.microsoft.com/office/drawing/2010/main" w="9525">
                     <a:solidFill>
                       <a:srgbClr val="000000"/>
                     </a:solidFill>
@@ -20342,7 +20347,7 @@
               </a:ln>
               <a:extLst>
                 <a:ext uri="{91240B29-F687-4f45-9708-019B960494DF}">
-                  <a14:hiddenLine xmlns:a14="http://schemas.microsoft.com/office/drawing/2010/main" xmlns="" w="9525">
+                  <a14:hiddenLine xmlns="" xmlns:a14="http://schemas.microsoft.com/office/drawing/2010/main" w="9525">
                     <a:solidFill>
                       <a:srgbClr val="000000"/>
                     </a:solidFill>
@@ -20432,7 +20437,7 @@
               </a:ln>
               <a:extLst>
                 <a:ext uri="{91240B29-F687-4f45-9708-019B960494DF}">
-                  <a14:hiddenLine xmlns:a14="http://schemas.microsoft.com/office/drawing/2010/main" xmlns="" w="9525">
+                  <a14:hiddenLine xmlns="" xmlns:a14="http://schemas.microsoft.com/office/drawing/2010/main" w="9525">
                     <a:solidFill>
                       <a:srgbClr val="000000"/>
                     </a:solidFill>
@@ -20497,7 +20502,7 @@
               </a:ln>
               <a:extLst>
                 <a:ext uri="{91240B29-F687-4f45-9708-019B960494DF}">
-                  <a14:hiddenLine xmlns:a14="http://schemas.microsoft.com/office/drawing/2010/main" xmlns="" w="9525">
+                  <a14:hiddenLine xmlns="" xmlns:a14="http://schemas.microsoft.com/office/drawing/2010/main" w="9525">
                     <a:solidFill>
                       <a:srgbClr val="000000"/>
                     </a:solidFill>
@@ -20559,7 +20564,7 @@
               </a:ln>
               <a:extLst>
                 <a:ext uri="{91240B29-F687-4f45-9708-019B960494DF}">
-                  <a14:hiddenLine xmlns:a14="http://schemas.microsoft.com/office/drawing/2010/main" xmlns="" w="9525">
+                  <a14:hiddenLine xmlns="" xmlns:a14="http://schemas.microsoft.com/office/drawing/2010/main" w="9525">
                     <a:solidFill>
                       <a:srgbClr val="000000"/>
                     </a:solidFill>
@@ -20649,7 +20654,7 @@
               </a:ln>
               <a:extLst>
                 <a:ext uri="{91240B29-F687-4f45-9708-019B960494DF}">
-                  <a14:hiddenLine xmlns:a14="http://schemas.microsoft.com/office/drawing/2010/main" xmlns="" w="9525">
+                  <a14:hiddenLine xmlns="" xmlns:a14="http://schemas.microsoft.com/office/drawing/2010/main" w="9525">
                     <a:solidFill>
                       <a:srgbClr val="000000"/>
                     </a:solidFill>
@@ -20739,7 +20744,7 @@
               </a:ln>
               <a:extLst>
                 <a:ext uri="{91240B29-F687-4f45-9708-019B960494DF}">
-                  <a14:hiddenLine xmlns:a14="http://schemas.microsoft.com/office/drawing/2010/main" xmlns="" w="9525">
+                  <a14:hiddenLine xmlns="" xmlns:a14="http://schemas.microsoft.com/office/drawing/2010/main" w="9525">
                     <a:solidFill>
                       <a:srgbClr val="000000"/>
                     </a:solidFill>
@@ -20804,7 +20809,7 @@
               </a:ln>
               <a:extLst>
                 <a:ext uri="{91240B29-F687-4f45-9708-019B960494DF}">
-                  <a14:hiddenLine xmlns:a14="http://schemas.microsoft.com/office/drawing/2010/main" xmlns="" w="9525">
+                  <a14:hiddenLine xmlns="" xmlns:a14="http://schemas.microsoft.com/office/drawing/2010/main" w="9525">
                     <a:solidFill>
                       <a:srgbClr val="000000"/>
                     </a:solidFill>
@@ -20924,7 +20929,7 @@
               </a:ln>
               <a:extLst>
                 <a:ext uri="{91240B29-F687-4f45-9708-019B960494DF}">
-                  <a14:hiddenLine xmlns:a14="http://schemas.microsoft.com/office/drawing/2010/main" xmlns="" w="9525">
+                  <a14:hiddenLine xmlns="" xmlns:a14="http://schemas.microsoft.com/office/drawing/2010/main" w="9525">
                     <a:solidFill>
                       <a:srgbClr val="000000"/>
                     </a:solidFill>
@@ -21022,7 +21027,7 @@
               </a:ln>
               <a:extLst>
                 <a:ext uri="{91240B29-F687-4f45-9708-019B960494DF}">
-                  <a14:hiddenLine xmlns:a14="http://schemas.microsoft.com/office/drawing/2010/main" xmlns="" w="9525">
+                  <a14:hiddenLine xmlns="" xmlns:a14="http://schemas.microsoft.com/office/drawing/2010/main" w="9525">
                     <a:solidFill>
                       <a:srgbClr val="000000"/>
                     </a:solidFill>
@@ -21137,7 +21142,7 @@
               </a:ln>
               <a:extLst>
                 <a:ext uri="{91240B29-F687-4f45-9708-019B960494DF}">
-                  <a14:hiddenLine xmlns:a14="http://schemas.microsoft.com/office/drawing/2010/main" xmlns="" w="9525">
+                  <a14:hiddenLine xmlns="" xmlns:a14="http://schemas.microsoft.com/office/drawing/2010/main" w="9525">
                     <a:solidFill>
                       <a:srgbClr val="000000"/>
                     </a:solidFill>
@@ -21227,7 +21232,7 @@
               </a:ln>
               <a:extLst>
                 <a:ext uri="{91240B29-F687-4f45-9708-019B960494DF}">
-                  <a14:hiddenLine xmlns:a14="http://schemas.microsoft.com/office/drawing/2010/main" xmlns="" w="9525">
+                  <a14:hiddenLine xmlns="" xmlns:a14="http://schemas.microsoft.com/office/drawing/2010/main" w="9525">
                     <a:solidFill>
                       <a:srgbClr val="000000"/>
                     </a:solidFill>
@@ -21292,7 +21297,7 @@
               </a:ln>
               <a:extLst>
                 <a:ext uri="{91240B29-F687-4f45-9708-019B960494DF}">
-                  <a14:hiddenLine xmlns:a14="http://schemas.microsoft.com/office/drawing/2010/main" xmlns="" w="9525">
+                  <a14:hiddenLine xmlns="" xmlns:a14="http://schemas.microsoft.com/office/drawing/2010/main" w="9525">
                     <a:solidFill>
                       <a:srgbClr val="000000"/>
                     </a:solidFill>
@@ -21382,7 +21387,7 @@
               </a:ln>
               <a:extLst>
                 <a:ext uri="{91240B29-F687-4f45-9708-019B960494DF}">
-                  <a14:hiddenLine xmlns:a14="http://schemas.microsoft.com/office/drawing/2010/main" xmlns="" w="9525">
+                  <a14:hiddenLine xmlns="" xmlns:a14="http://schemas.microsoft.com/office/drawing/2010/main" w="9525">
                     <a:solidFill>
                       <a:srgbClr val="000000"/>
                     </a:solidFill>
@@ -21450,7 +21455,7 @@
               </a:ln>
               <a:extLst>
                 <a:ext uri="{91240B29-F687-4f45-9708-019B960494DF}">
-                  <a14:hiddenLine xmlns:a14="http://schemas.microsoft.com/office/drawing/2010/main" xmlns="" w="9525">
+                  <a14:hiddenLine xmlns="" xmlns:a14="http://schemas.microsoft.com/office/drawing/2010/main" w="9525">
                     <a:solidFill>
                       <a:srgbClr val="000000"/>
                     </a:solidFill>
@@ -21540,7 +21545,7 @@
               </a:ln>
               <a:extLst>
                 <a:ext uri="{91240B29-F687-4f45-9708-019B960494DF}">
-                  <a14:hiddenLine xmlns:a14="http://schemas.microsoft.com/office/drawing/2010/main" xmlns="" w="9525">
+                  <a14:hiddenLine xmlns="" xmlns:a14="http://schemas.microsoft.com/office/drawing/2010/main" w="9525">
                     <a:solidFill>
                       <a:srgbClr val="000000"/>
                     </a:solidFill>
@@ -21608,7 +21613,7 @@
               </a:ln>
               <a:extLst>
                 <a:ext uri="{91240B29-F687-4f45-9708-019B960494DF}">
-                  <a14:hiddenLine xmlns:a14="http://schemas.microsoft.com/office/drawing/2010/main" xmlns="" w="9525">
+                  <a14:hiddenLine xmlns="" xmlns:a14="http://schemas.microsoft.com/office/drawing/2010/main" w="9525">
                     <a:solidFill>
                       <a:srgbClr val="000000"/>
                     </a:solidFill>
@@ -21698,7 +21703,7 @@
               </a:ln>
               <a:extLst>
                 <a:ext uri="{91240B29-F687-4f45-9708-019B960494DF}">
-                  <a14:hiddenLine xmlns:a14="http://schemas.microsoft.com/office/drawing/2010/main" xmlns="" w="9525">
+                  <a14:hiddenLine xmlns="" xmlns:a14="http://schemas.microsoft.com/office/drawing/2010/main" w="9525">
                     <a:solidFill>
                       <a:srgbClr val="000000"/>
                     </a:solidFill>
@@ -21732,7 +21737,7 @@
               </a:ln>
               <a:extLst>
                 <a:ext uri="{91240B29-F687-4f45-9708-019B960494DF}">
-                  <a14:hiddenLine xmlns:a14="http://schemas.microsoft.com/office/drawing/2010/main" xmlns="" w="9525">
+                  <a14:hiddenLine xmlns="" xmlns:a14="http://schemas.microsoft.com/office/drawing/2010/main" w="9525">
                     <a:solidFill>
                       <a:srgbClr val="000000"/>
                     </a:solidFill>
@@ -22369,8 +22374,13 @@
           <a:p>
             <a:r>
               <a:rPr lang="en-US" dirty="0"/>
-              <a:t>      Print(presenters)</a:t>
+              <a:t>      Print(</a:t>
             </a:r>
+            <a:r>
+              <a:rPr lang="en-US"/>
+              <a:t>presenters) </a:t>
+            </a:r>
+            <a:endParaRPr lang="en-US" dirty="0"/>
           </a:p>
           <a:p>
             <a:r>
